--- a/Presentation/07-Conclusion/Conclusion.pptx
+++ b/Presentation/07-Conclusion/Conclusion.pptx
@@ -7282,7 +7282,7 @@
           <a:p>
             <a:fld id="{0E990FE3-7537-4D15-A9F5-FDF1805FD5F8}" type="datetimeFigureOut">
               <a:rPr lang="en-US" smtClean="0"/>
-              <a:t>18/12/2015</a:t>
+              <a:t>1/25/2016</a:t>
             </a:fld>
             <a:endParaRPr lang="en-US"/>
           </a:p>
@@ -8087,13 +8087,6 @@
   <p:clrMapOvr>
     <a:masterClrMapping/>
   </p:clrMapOvr>
-  <p:timing>
-    <p:tnLst>
-      <p:par>
-        <p:cTn id="1" dur="indefinite" restart="never" nodeType="tmRoot"/>
-      </p:par>
-    </p:tnLst>
-  </p:timing>
 </p:sldLayout>
 </file>
 
@@ -8207,28 +8200,28 @@
                 <a:gridCol w="2764105">
                   <a:extLst>
                     <a:ext uri="{9D8B030D-6E8A-4147-A177-3AD203B41FA5}">
-                      <a16:colId xmlns="" xmlns:a16="http://schemas.microsoft.com/office/drawing/2014/main" val="20000"/>
+                      <a16:colId xmlns:a16="http://schemas.microsoft.com/office/drawing/2014/main" val="20000"/>
                     </a:ext>
                   </a:extLst>
                 </a:gridCol>
                 <a:gridCol w="2764105">
                   <a:extLst>
                     <a:ext uri="{9D8B030D-6E8A-4147-A177-3AD203B41FA5}">
-                      <a16:colId xmlns="" xmlns:a16="http://schemas.microsoft.com/office/drawing/2014/main" val="20001"/>
+                      <a16:colId xmlns:a16="http://schemas.microsoft.com/office/drawing/2014/main" val="20001"/>
                     </a:ext>
                   </a:extLst>
                 </a:gridCol>
                 <a:gridCol w="2764105">
                   <a:extLst>
                     <a:ext uri="{9D8B030D-6E8A-4147-A177-3AD203B41FA5}">
-                      <a16:colId xmlns="" xmlns:a16="http://schemas.microsoft.com/office/drawing/2014/main" val="20002"/>
+                      <a16:colId xmlns:a16="http://schemas.microsoft.com/office/drawing/2014/main" val="20002"/>
                     </a:ext>
                   </a:extLst>
                 </a:gridCol>
                 <a:gridCol w="2764105">
                   <a:extLst>
                     <a:ext uri="{9D8B030D-6E8A-4147-A177-3AD203B41FA5}">
-                      <a16:colId xmlns="" xmlns:a16="http://schemas.microsoft.com/office/drawing/2014/main" val="20003"/>
+                      <a16:colId xmlns:a16="http://schemas.microsoft.com/office/drawing/2014/main" val="20003"/>
                     </a:ext>
                   </a:extLst>
                 </a:gridCol>
@@ -8408,7 +8401,7 @@
                 </a:tc>
                 <a:extLst>
                   <a:ext uri="{0D108BD9-81ED-4DB2-BD59-A6C34878D82A}">
-                    <a16:rowId xmlns="" xmlns:a16="http://schemas.microsoft.com/office/drawing/2014/main" val="10000"/>
+                    <a16:rowId xmlns:a16="http://schemas.microsoft.com/office/drawing/2014/main" val="10000"/>
                   </a:ext>
                 </a:extLst>
               </a:tr>
@@ -8644,7 +8637,7 @@
                 </a:tc>
                 <a:extLst>
                   <a:ext uri="{0D108BD9-81ED-4DB2-BD59-A6C34878D82A}">
-                    <a16:rowId xmlns="" xmlns:a16="http://schemas.microsoft.com/office/drawing/2014/main" val="10001"/>
+                    <a16:rowId xmlns:a16="http://schemas.microsoft.com/office/drawing/2014/main" val="10001"/>
                   </a:ext>
                 </a:extLst>
               </a:tr>
@@ -8899,7 +8892,7 @@
                 </a:tc>
                 <a:extLst>
                   <a:ext uri="{0D108BD9-81ED-4DB2-BD59-A6C34878D82A}">
-                    <a16:rowId xmlns="" xmlns:a16="http://schemas.microsoft.com/office/drawing/2014/main" val="10002"/>
+                    <a16:rowId xmlns:a16="http://schemas.microsoft.com/office/drawing/2014/main" val="10002"/>
                   </a:ext>
                 </a:extLst>
               </a:tr>
@@ -9154,7 +9147,7 @@
                 </a:tc>
                 <a:extLst>
                   <a:ext uri="{0D108BD9-81ED-4DB2-BD59-A6C34878D82A}">
-                    <a16:rowId xmlns="" xmlns:a16="http://schemas.microsoft.com/office/drawing/2014/main" val="10003"/>
+                    <a16:rowId xmlns:a16="http://schemas.microsoft.com/office/drawing/2014/main" val="10003"/>
                   </a:ext>
                 </a:extLst>
               </a:tr>
@@ -9172,13 +9165,6 @@
   <p:clrMapOvr>
     <a:masterClrMapping/>
   </p:clrMapOvr>
-  <p:timing>
-    <p:tnLst>
-      <p:par>
-        <p:cTn id="1" dur="indefinite" restart="never" nodeType="tmRoot"/>
-      </p:par>
-    </p:tnLst>
-  </p:timing>
 </p:sldLayout>
 </file>
 
@@ -9240,13 +9226,6 @@
   <p:clrMapOvr>
     <a:masterClrMapping/>
   </p:clrMapOvr>
-  <p:timing>
-    <p:tnLst>
-      <p:par>
-        <p:cTn id="1" dur="indefinite" restart="never" nodeType="tmRoot"/>
-      </p:par>
-    </p:tnLst>
-  </p:timing>
 </p:sldLayout>
 </file>
 
@@ -9277,13 +9256,6 @@
   <p:clrMapOvr>
     <a:masterClrMapping/>
   </p:clrMapOvr>
-  <p:timing>
-    <p:tnLst>
-      <p:par>
-        <p:cTn id="1" dur="indefinite" restart="never" nodeType="tmRoot"/>
-      </p:par>
-    </p:tnLst>
-  </p:timing>
 </p:sldLayout>
 </file>
 
@@ -9541,13 +9513,6 @@
   <p:clrMapOvr>
     <a:masterClrMapping/>
   </p:clrMapOvr>
-  <p:timing>
-    <p:tnLst>
-      <p:par>
-        <p:cTn id="1" dur="indefinite" restart="never" nodeType="tmRoot"/>
-      </p:par>
-    </p:tnLst>
-  </p:timing>
 </p:sldLayout>
 </file>
 
@@ -9739,13 +9704,6 @@
       </p:transition>
     </mc:Fallback>
   </mc:AlternateContent>
-  <p:timing>
-    <p:tnLst>
-      <p:par>
-        <p:cTn id="1" dur="indefinite" restart="never" nodeType="tmRoot"/>
-      </p:par>
-    </p:tnLst>
-  </p:timing>
 </p:sldLayout>
 </file>
 
@@ -9974,13 +9932,6 @@
   <p:transition>
     <p:fade/>
   </p:transition>
-  <p:timing>
-    <p:tnLst>
-      <p:par>
-        <p:cTn id="1" dur="indefinite" restart="never" nodeType="tmRoot"/>
-      </p:par>
-    </p:tnLst>
-  </p:timing>
 </p:sldLayout>
 </file>
 
@@ -10209,13 +10160,6 @@
   <p:transition>
     <p:fade/>
   </p:transition>
-  <p:timing>
-    <p:tnLst>
-      <p:par>
-        <p:cTn id="1" dur="indefinite" restart="never" nodeType="tmRoot"/>
-      </p:par>
-    </p:tnLst>
-  </p:timing>
 </p:sldLayout>
 </file>
 
@@ -10444,13 +10388,6 @@
   <p:transition>
     <p:fade/>
   </p:transition>
-  <p:timing>
-    <p:tnLst>
-      <p:par>
-        <p:cTn id="1" dur="indefinite" restart="never" nodeType="tmRoot"/>
-      </p:par>
-    </p:tnLst>
-  </p:timing>
 </p:sldLayout>
 </file>
 
@@ -10676,13 +10613,6 @@
   <p:transition>
     <p:fade/>
   </p:transition>
-  <p:timing>
-    <p:tnLst>
-      <p:par>
-        <p:cTn id="1" dur="indefinite" restart="never" nodeType="tmRoot"/>
-      </p:par>
-    </p:tnLst>
-  </p:timing>
 </p:sldLayout>
 </file>
 
@@ -10908,13 +10838,6 @@
   <p:transition>
     <p:fade/>
   </p:transition>
-  <p:timing>
-    <p:tnLst>
-      <p:par>
-        <p:cTn id="1" dur="indefinite" restart="never" nodeType="tmRoot"/>
-      </p:par>
-    </p:tnLst>
-  </p:timing>
 </p:sldLayout>
 </file>
 
@@ -11019,13 +10942,6 @@
   <p:clrMapOvr>
     <a:masterClrMapping/>
   </p:clrMapOvr>
-  <p:timing>
-    <p:tnLst>
-      <p:par>
-        <p:cTn id="1" dur="indefinite" restart="never" nodeType="tmRoot"/>
-      </p:par>
-    </p:tnLst>
-  </p:timing>
 </p:sldLayout>
 </file>
 
@@ -11251,13 +11167,6 @@
   <p:transition>
     <p:fade/>
   </p:transition>
-  <p:timing>
-    <p:tnLst>
-      <p:par>
-        <p:cTn id="1" dur="indefinite" restart="never" nodeType="tmRoot"/>
-      </p:par>
-    </p:tnLst>
-  </p:timing>
 </p:sldLayout>
 </file>
 
@@ -11405,13 +11314,6 @@
   <p:transition>
     <p:fade/>
   </p:transition>
-  <p:timing>
-    <p:tnLst>
-      <p:par>
-        <p:cTn id="1" dur="indefinite" restart="never" nodeType="tmRoot"/>
-      </p:par>
-    </p:tnLst>
-  </p:timing>
 </p:sldLayout>
 </file>
 
@@ -11549,13 +11451,6 @@
   <p:clrMapOvr>
     <a:masterClrMapping/>
   </p:clrMapOvr>
-  <p:timing>
-    <p:tnLst>
-      <p:par>
-        <p:cTn id="1" dur="indefinite" restart="never" nodeType="tmRoot"/>
-      </p:par>
-    </p:tnLst>
-  </p:timing>
 </p:sldLayout>
 </file>
 
@@ -11700,13 +11595,6 @@
   <p:clrMapOvr>
     <a:masterClrMapping/>
   </p:clrMapOvr>
-  <p:timing>
-    <p:tnLst>
-      <p:par>
-        <p:cTn id="1" dur="indefinite" restart="never" nodeType="tmRoot"/>
-      </p:par>
-    </p:tnLst>
-  </p:timing>
 </p:sldLayout>
 </file>
 
@@ -11888,13 +11776,6 @@
   <p:clrMapOvr>
     <a:masterClrMapping/>
   </p:clrMapOvr>
-  <p:timing>
-    <p:tnLst>
-      <p:par>
-        <p:cTn id="1" dur="indefinite" restart="never" nodeType="tmRoot"/>
-      </p:par>
-    </p:tnLst>
-  </p:timing>
 </p:sldLayout>
 </file>
 
@@ -11987,13 +11868,6 @@
   <p:clrMapOvr>
     <a:masterClrMapping/>
   </p:clrMapOvr>
-  <p:timing>
-    <p:tnLst>
-      <p:par>
-        <p:cTn id="1" dur="indefinite" restart="never" nodeType="tmRoot"/>
-      </p:par>
-    </p:tnLst>
-  </p:timing>
 </p:sldLayout>
 </file>
 
@@ -12107,28 +11981,28 @@
                 <a:gridCol w="2764105">
                   <a:extLst>
                     <a:ext uri="{9D8B030D-6E8A-4147-A177-3AD203B41FA5}">
-                      <a16:colId xmlns="" xmlns:a16="http://schemas.microsoft.com/office/drawing/2014/main" val="20000"/>
+                      <a16:colId xmlns:a16="http://schemas.microsoft.com/office/drawing/2014/main" val="20000"/>
                     </a:ext>
                   </a:extLst>
                 </a:gridCol>
                 <a:gridCol w="2764105">
                   <a:extLst>
                     <a:ext uri="{9D8B030D-6E8A-4147-A177-3AD203B41FA5}">
-                      <a16:colId xmlns="" xmlns:a16="http://schemas.microsoft.com/office/drawing/2014/main" val="20001"/>
+                      <a16:colId xmlns:a16="http://schemas.microsoft.com/office/drawing/2014/main" val="20001"/>
                     </a:ext>
                   </a:extLst>
                 </a:gridCol>
                 <a:gridCol w="2764105">
                   <a:extLst>
                     <a:ext uri="{9D8B030D-6E8A-4147-A177-3AD203B41FA5}">
-                      <a16:colId xmlns="" xmlns:a16="http://schemas.microsoft.com/office/drawing/2014/main" val="20002"/>
+                      <a16:colId xmlns:a16="http://schemas.microsoft.com/office/drawing/2014/main" val="20002"/>
                     </a:ext>
                   </a:extLst>
                 </a:gridCol>
                 <a:gridCol w="2764105">
                   <a:extLst>
                     <a:ext uri="{9D8B030D-6E8A-4147-A177-3AD203B41FA5}">
-                      <a16:colId xmlns="" xmlns:a16="http://schemas.microsoft.com/office/drawing/2014/main" val="20003"/>
+                      <a16:colId xmlns:a16="http://schemas.microsoft.com/office/drawing/2014/main" val="20003"/>
                     </a:ext>
                   </a:extLst>
                 </a:gridCol>
@@ -12292,7 +12166,7 @@
                 </a:tc>
                 <a:extLst>
                   <a:ext uri="{0D108BD9-81ED-4DB2-BD59-A6C34878D82A}">
-                    <a16:rowId xmlns="" xmlns:a16="http://schemas.microsoft.com/office/drawing/2014/main" val="10000"/>
+                    <a16:rowId xmlns:a16="http://schemas.microsoft.com/office/drawing/2014/main" val="10000"/>
                   </a:ext>
                 </a:extLst>
               </a:tr>
@@ -12512,7 +12386,7 @@
                 </a:tc>
                 <a:extLst>
                   <a:ext uri="{0D108BD9-81ED-4DB2-BD59-A6C34878D82A}">
-                    <a16:rowId xmlns="" xmlns:a16="http://schemas.microsoft.com/office/drawing/2014/main" val="10001"/>
+                    <a16:rowId xmlns:a16="http://schemas.microsoft.com/office/drawing/2014/main" val="10001"/>
                   </a:ext>
                 </a:extLst>
               </a:tr>
@@ -12751,7 +12625,7 @@
                 </a:tc>
                 <a:extLst>
                   <a:ext uri="{0D108BD9-81ED-4DB2-BD59-A6C34878D82A}">
-                    <a16:rowId xmlns="" xmlns:a16="http://schemas.microsoft.com/office/drawing/2014/main" val="10002"/>
+                    <a16:rowId xmlns:a16="http://schemas.microsoft.com/office/drawing/2014/main" val="10002"/>
                   </a:ext>
                 </a:extLst>
               </a:tr>
@@ -12990,7 +12864,7 @@
                 </a:tc>
                 <a:extLst>
                   <a:ext uri="{0D108BD9-81ED-4DB2-BD59-A6C34878D82A}">
-                    <a16:rowId xmlns="" xmlns:a16="http://schemas.microsoft.com/office/drawing/2014/main" val="10003"/>
+                    <a16:rowId xmlns:a16="http://schemas.microsoft.com/office/drawing/2014/main" val="10003"/>
                   </a:ext>
                 </a:extLst>
               </a:tr>
@@ -13008,13 +12882,6 @@
   <p:clrMapOvr>
     <a:masterClrMapping/>
   </p:clrMapOvr>
-  <p:timing>
-    <p:tnLst>
-      <p:par>
-        <p:cTn id="1" dur="indefinite" restart="never" nodeType="tmRoot"/>
-      </p:par>
-    </p:tnLst>
-  </p:timing>
 </p:sldLayout>
 </file>
 
@@ -13084,13 +12951,6 @@
   <p:clrMapOvr>
     <a:masterClrMapping/>
   </p:clrMapOvr>
-  <p:timing>
-    <p:tnLst>
-      <p:par>
-        <p:cTn id="1" dur="indefinite" restart="never" nodeType="tmRoot"/>
-      </p:par>
-    </p:tnLst>
-  </p:timing>
 </p:sldLayout>
 </file>
 
@@ -13129,13 +12989,6 @@
   <p:clrMapOvr>
     <a:masterClrMapping/>
   </p:clrMapOvr>
-  <p:timing>
-    <p:tnLst>
-      <p:par>
-        <p:cTn id="1" dur="indefinite" restart="never" nodeType="tmRoot"/>
-      </p:par>
-    </p:tnLst>
-  </p:timing>
 </p:sldLayout>
 </file>
 
@@ -13401,13 +13254,6 @@
   <p:clrMapOvr>
     <a:masterClrMapping/>
   </p:clrMapOvr>
-  <p:timing>
-    <p:tnLst>
-      <p:par>
-        <p:cTn id="1" dur="indefinite" restart="never" nodeType="tmRoot"/>
-      </p:par>
-    </p:tnLst>
-  </p:timing>
 </p:sldLayout>
 </file>
 
@@ -13512,13 +13358,6 @@
   <p:clrMapOvr>
     <a:masterClrMapping/>
   </p:clrMapOvr>
-  <p:timing>
-    <p:tnLst>
-      <p:par>
-        <p:cTn id="1" dur="indefinite" restart="never" nodeType="tmRoot"/>
-      </p:par>
-    </p:tnLst>
-  </p:timing>
 </p:sldLayout>
 </file>
 
@@ -13656,13 +13495,6 @@
   <p:clrMapOvr>
     <a:masterClrMapping/>
   </p:clrMapOvr>
-  <p:timing>
-    <p:tnLst>
-      <p:par>
-        <p:cTn id="1" dur="indefinite" restart="never" nodeType="tmRoot"/>
-      </p:par>
-    </p:tnLst>
-  </p:timing>
 </p:sldLayout>
 </file>
 
@@ -13807,13 +13639,6 @@
   <p:clrMapOvr>
     <a:masterClrMapping/>
   </p:clrMapOvr>
-  <p:timing>
-    <p:tnLst>
-      <p:par>
-        <p:cTn id="1" dur="indefinite" restart="never" nodeType="tmRoot"/>
-      </p:par>
-    </p:tnLst>
-  </p:timing>
 </p:sldLayout>
 </file>
 
@@ -13995,13 +13820,6 @@
   <p:clrMapOvr>
     <a:masterClrMapping/>
   </p:clrMapOvr>
-  <p:timing>
-    <p:tnLst>
-      <p:par>
-        <p:cTn id="1" dur="indefinite" restart="never" nodeType="tmRoot"/>
-      </p:par>
-    </p:tnLst>
-  </p:timing>
 </p:sldLayout>
 </file>
 
@@ -14094,13 +13912,6 @@
   <p:clrMapOvr>
     <a:masterClrMapping/>
   </p:clrMapOvr>
-  <p:timing>
-    <p:tnLst>
-      <p:par>
-        <p:cTn id="1" dur="indefinite" restart="never" nodeType="tmRoot"/>
-      </p:par>
-    </p:tnLst>
-  </p:timing>
 </p:sldLayout>
 </file>
 
@@ -14214,28 +14025,28 @@
                 <a:gridCol w="2764105">
                   <a:extLst>
                     <a:ext uri="{9D8B030D-6E8A-4147-A177-3AD203B41FA5}">
-                      <a16:colId xmlns="" xmlns:a16="http://schemas.microsoft.com/office/drawing/2014/main" val="20000"/>
+                      <a16:colId xmlns:a16="http://schemas.microsoft.com/office/drawing/2014/main" val="20000"/>
                     </a:ext>
                   </a:extLst>
                 </a:gridCol>
                 <a:gridCol w="2764105">
                   <a:extLst>
                     <a:ext uri="{9D8B030D-6E8A-4147-A177-3AD203B41FA5}">
-                      <a16:colId xmlns="" xmlns:a16="http://schemas.microsoft.com/office/drawing/2014/main" val="20001"/>
+                      <a16:colId xmlns:a16="http://schemas.microsoft.com/office/drawing/2014/main" val="20001"/>
                     </a:ext>
                   </a:extLst>
                 </a:gridCol>
                 <a:gridCol w="2764105">
                   <a:extLst>
                     <a:ext uri="{9D8B030D-6E8A-4147-A177-3AD203B41FA5}">
-                      <a16:colId xmlns="" xmlns:a16="http://schemas.microsoft.com/office/drawing/2014/main" val="20002"/>
+                      <a16:colId xmlns:a16="http://schemas.microsoft.com/office/drawing/2014/main" val="20002"/>
                     </a:ext>
                   </a:extLst>
                 </a:gridCol>
                 <a:gridCol w="2764105">
                   <a:extLst>
                     <a:ext uri="{9D8B030D-6E8A-4147-A177-3AD203B41FA5}">
-                      <a16:colId xmlns="" xmlns:a16="http://schemas.microsoft.com/office/drawing/2014/main" val="20003"/>
+                      <a16:colId xmlns:a16="http://schemas.microsoft.com/office/drawing/2014/main" val="20003"/>
                     </a:ext>
                   </a:extLst>
                 </a:gridCol>
@@ -14411,7 +14222,7 @@
                 </a:tc>
                 <a:extLst>
                   <a:ext uri="{0D108BD9-81ED-4DB2-BD59-A6C34878D82A}">
-                    <a16:rowId xmlns="" xmlns:a16="http://schemas.microsoft.com/office/drawing/2014/main" val="10000"/>
+                    <a16:rowId xmlns:a16="http://schemas.microsoft.com/office/drawing/2014/main" val="10000"/>
                   </a:ext>
                 </a:extLst>
               </a:tr>
@@ -14643,7 +14454,7 @@
                 </a:tc>
                 <a:extLst>
                   <a:ext uri="{0D108BD9-81ED-4DB2-BD59-A6C34878D82A}">
-                    <a16:rowId xmlns="" xmlns:a16="http://schemas.microsoft.com/office/drawing/2014/main" val="10001"/>
+                    <a16:rowId xmlns:a16="http://schemas.microsoft.com/office/drawing/2014/main" val="10001"/>
                   </a:ext>
                 </a:extLst>
               </a:tr>
@@ -14902,7 +14713,7 @@
                 </a:tc>
                 <a:extLst>
                   <a:ext uri="{0D108BD9-81ED-4DB2-BD59-A6C34878D82A}">
-                    <a16:rowId xmlns="" xmlns:a16="http://schemas.microsoft.com/office/drawing/2014/main" val="10002"/>
+                    <a16:rowId xmlns:a16="http://schemas.microsoft.com/office/drawing/2014/main" val="10002"/>
                   </a:ext>
                 </a:extLst>
               </a:tr>
@@ -15153,7 +14964,7 @@
                 </a:tc>
                 <a:extLst>
                   <a:ext uri="{0D108BD9-81ED-4DB2-BD59-A6C34878D82A}">
-                    <a16:rowId xmlns="" xmlns:a16="http://schemas.microsoft.com/office/drawing/2014/main" val="10003"/>
+                    <a16:rowId xmlns:a16="http://schemas.microsoft.com/office/drawing/2014/main" val="10003"/>
                   </a:ext>
                 </a:extLst>
               </a:tr>
@@ -15171,13 +14982,6 @@
   <p:clrMapOvr>
     <a:masterClrMapping/>
   </p:clrMapOvr>
-  <p:timing>
-    <p:tnLst>
-      <p:par>
-        <p:cTn id="1" dur="indefinite" restart="never" nodeType="tmRoot"/>
-      </p:par>
-    </p:tnLst>
-  </p:timing>
 </p:sldLayout>
 </file>
 
@@ -15247,13 +15051,6 @@
   <p:clrMapOvr>
     <a:masterClrMapping/>
   </p:clrMapOvr>
-  <p:timing>
-    <p:tnLst>
-      <p:par>
-        <p:cTn id="1" dur="indefinite" restart="never" nodeType="tmRoot"/>
-      </p:par>
-    </p:tnLst>
-  </p:timing>
 </p:sldLayout>
 </file>
 
@@ -15292,13 +15089,6 @@
   <p:clrMapOvr>
     <a:masterClrMapping/>
   </p:clrMapOvr>
-  <p:timing>
-    <p:tnLst>
-      <p:par>
-        <p:cTn id="1" dur="indefinite" restart="never" nodeType="tmRoot"/>
-      </p:par>
-    </p:tnLst>
-  </p:timing>
 </p:sldLayout>
 </file>
 
@@ -15564,13 +15354,6 @@
   <p:clrMapOvr>
     <a:masterClrMapping/>
   </p:clrMapOvr>
-  <p:timing>
-    <p:tnLst>
-      <p:par>
-        <p:cTn id="1" dur="indefinite" restart="never" nodeType="tmRoot"/>
-      </p:par>
-    </p:tnLst>
-  </p:timing>
 </p:sldLayout>
 </file>
 
@@ -15708,13 +15491,6 @@
   <p:clrMapOvr>
     <a:masterClrMapping/>
   </p:clrMapOvr>
-  <p:timing>
-    <p:tnLst>
-      <p:par>
-        <p:cTn id="1" dur="indefinite" restart="never" nodeType="tmRoot"/>
-      </p:par>
-    </p:tnLst>
-  </p:timing>
 </p:sldLayout>
 </file>
 
@@ -15859,13 +15635,6 @@
   <p:clrMapOvr>
     <a:masterClrMapping/>
   </p:clrMapOvr>
-  <p:timing>
-    <p:tnLst>
-      <p:par>
-        <p:cTn id="1" dur="indefinite" restart="never" nodeType="tmRoot"/>
-      </p:par>
-    </p:tnLst>
-  </p:timing>
 </p:sldLayout>
 </file>
 
@@ -15970,13 +15739,6 @@
   <p:clrMapOvr>
     <a:masterClrMapping/>
   </p:clrMapOvr>
-  <p:timing>
-    <p:tnLst>
-      <p:par>
-        <p:cTn id="1" dur="indefinite" restart="never" nodeType="tmRoot"/>
-      </p:par>
-    </p:tnLst>
-  </p:timing>
 </p:sldLayout>
 </file>
 
@@ -16158,13 +15920,6 @@
   <p:clrMapOvr>
     <a:masterClrMapping/>
   </p:clrMapOvr>
-  <p:timing>
-    <p:tnLst>
-      <p:par>
-        <p:cTn id="1" dur="indefinite" restart="never" nodeType="tmRoot"/>
-      </p:par>
-    </p:tnLst>
-  </p:timing>
 </p:sldLayout>
 </file>
 
@@ -16257,13 +16012,6 @@
   <p:clrMapOvr>
     <a:masterClrMapping/>
   </p:clrMapOvr>
-  <p:timing>
-    <p:tnLst>
-      <p:par>
-        <p:cTn id="1" dur="indefinite" restart="never" nodeType="tmRoot"/>
-      </p:par>
-    </p:tnLst>
-  </p:timing>
 </p:sldLayout>
 </file>
 
@@ -16371,28 +16119,28 @@
                 <a:gridCol w="2764105">
                   <a:extLst>
                     <a:ext uri="{9D8B030D-6E8A-4147-A177-3AD203B41FA5}">
-                      <a16:colId xmlns="" xmlns:a16="http://schemas.microsoft.com/office/drawing/2014/main" val="20000"/>
+                      <a16:colId xmlns:a16="http://schemas.microsoft.com/office/drawing/2014/main" val="20000"/>
                     </a:ext>
                   </a:extLst>
                 </a:gridCol>
                 <a:gridCol w="2764105">
                   <a:extLst>
                     <a:ext uri="{9D8B030D-6E8A-4147-A177-3AD203B41FA5}">
-                      <a16:colId xmlns="" xmlns:a16="http://schemas.microsoft.com/office/drawing/2014/main" val="20001"/>
+                      <a16:colId xmlns:a16="http://schemas.microsoft.com/office/drawing/2014/main" val="20001"/>
                     </a:ext>
                   </a:extLst>
                 </a:gridCol>
                 <a:gridCol w="2764105">
                   <a:extLst>
                     <a:ext uri="{9D8B030D-6E8A-4147-A177-3AD203B41FA5}">
-                      <a16:colId xmlns="" xmlns:a16="http://schemas.microsoft.com/office/drawing/2014/main" val="20002"/>
+                      <a16:colId xmlns:a16="http://schemas.microsoft.com/office/drawing/2014/main" val="20002"/>
                     </a:ext>
                   </a:extLst>
                 </a:gridCol>
                 <a:gridCol w="2764105">
                   <a:extLst>
                     <a:ext uri="{9D8B030D-6E8A-4147-A177-3AD203B41FA5}">
-                      <a16:colId xmlns="" xmlns:a16="http://schemas.microsoft.com/office/drawing/2014/main" val="20003"/>
+                      <a16:colId xmlns:a16="http://schemas.microsoft.com/office/drawing/2014/main" val="20003"/>
                     </a:ext>
                   </a:extLst>
                 </a:gridCol>
@@ -16572,7 +16320,7 @@
                 </a:tc>
                 <a:extLst>
                   <a:ext uri="{0D108BD9-81ED-4DB2-BD59-A6C34878D82A}">
-                    <a16:rowId xmlns="" xmlns:a16="http://schemas.microsoft.com/office/drawing/2014/main" val="10000"/>
+                    <a16:rowId xmlns:a16="http://schemas.microsoft.com/office/drawing/2014/main" val="10000"/>
                   </a:ext>
                 </a:extLst>
               </a:tr>
@@ -16808,7 +16556,7 @@
                 </a:tc>
                 <a:extLst>
                   <a:ext uri="{0D108BD9-81ED-4DB2-BD59-A6C34878D82A}">
-                    <a16:rowId xmlns="" xmlns:a16="http://schemas.microsoft.com/office/drawing/2014/main" val="10001"/>
+                    <a16:rowId xmlns:a16="http://schemas.microsoft.com/office/drawing/2014/main" val="10001"/>
                   </a:ext>
                 </a:extLst>
               </a:tr>
@@ -17063,7 +16811,7 @@
                 </a:tc>
                 <a:extLst>
                   <a:ext uri="{0D108BD9-81ED-4DB2-BD59-A6C34878D82A}">
-                    <a16:rowId xmlns="" xmlns:a16="http://schemas.microsoft.com/office/drawing/2014/main" val="10002"/>
+                    <a16:rowId xmlns:a16="http://schemas.microsoft.com/office/drawing/2014/main" val="10002"/>
                   </a:ext>
                 </a:extLst>
               </a:tr>
@@ -17318,7 +17066,7 @@
                 </a:tc>
                 <a:extLst>
                   <a:ext uri="{0D108BD9-81ED-4DB2-BD59-A6C34878D82A}">
-                    <a16:rowId xmlns="" xmlns:a16="http://schemas.microsoft.com/office/drawing/2014/main" val="10003"/>
+                    <a16:rowId xmlns:a16="http://schemas.microsoft.com/office/drawing/2014/main" val="10003"/>
                   </a:ext>
                 </a:extLst>
               </a:tr>
@@ -17336,13 +17084,6 @@
   <p:clrMapOvr>
     <a:masterClrMapping/>
   </p:clrMapOvr>
-  <p:timing>
-    <p:tnLst>
-      <p:par>
-        <p:cTn id="1" dur="indefinite" restart="never" nodeType="tmRoot"/>
-      </p:par>
-    </p:tnLst>
-  </p:timing>
 </p:sldLayout>
 </file>
 
@@ -17412,13 +17153,6 @@
   <p:clrMapOvr>
     <a:masterClrMapping/>
   </p:clrMapOvr>
-  <p:timing>
-    <p:tnLst>
-      <p:par>
-        <p:cTn id="1" dur="indefinite" restart="never" nodeType="tmRoot"/>
-      </p:par>
-    </p:tnLst>
-  </p:timing>
 </p:sldLayout>
 </file>
 
@@ -17457,13 +17191,6 @@
   <p:clrMapOvr>
     <a:masterClrMapping/>
   </p:clrMapOvr>
-  <p:timing>
-    <p:tnLst>
-      <p:par>
-        <p:cTn id="1" dur="indefinite" restart="never" nodeType="tmRoot"/>
-      </p:par>
-    </p:tnLst>
-  </p:timing>
 </p:sldLayout>
 </file>
 
@@ -17729,13 +17456,6 @@
   <p:clrMapOvr>
     <a:masterClrMapping/>
   </p:clrMapOvr>
-  <p:timing>
-    <p:tnLst>
-      <p:par>
-        <p:cTn id="1" dur="indefinite" restart="never" nodeType="tmRoot"/>
-      </p:par>
-    </p:tnLst>
-  </p:timing>
 </p:sldLayout>
 </file>
 
@@ -17873,13 +17593,6 @@
   <p:clrMapOvr>
     <a:masterClrMapping/>
   </p:clrMapOvr>
-  <p:timing>
-    <p:tnLst>
-      <p:par>
-        <p:cTn id="1" dur="indefinite" restart="never" nodeType="tmRoot"/>
-      </p:par>
-    </p:tnLst>
-  </p:timing>
 </p:sldLayout>
 </file>
 
@@ -18024,13 +17737,6 @@
   <p:clrMapOvr>
     <a:masterClrMapping/>
   </p:clrMapOvr>
-  <p:timing>
-    <p:tnLst>
-      <p:par>
-        <p:cTn id="1" dur="indefinite" restart="never" nodeType="tmRoot"/>
-      </p:par>
-    </p:tnLst>
-  </p:timing>
 </p:sldLayout>
 </file>
 
@@ -18212,13 +17918,6 @@
   <p:clrMapOvr>
     <a:masterClrMapping/>
   </p:clrMapOvr>
-  <p:timing>
-    <p:tnLst>
-      <p:par>
-        <p:cTn id="1" dur="indefinite" restart="never" nodeType="tmRoot"/>
-      </p:par>
-    </p:tnLst>
-  </p:timing>
 </p:sldLayout>
 </file>
 
@@ -18311,13 +18010,6 @@
   <p:clrMapOvr>
     <a:masterClrMapping/>
   </p:clrMapOvr>
-  <p:timing>
-    <p:tnLst>
-      <p:par>
-        <p:cTn id="1" dur="indefinite" restart="never" nodeType="tmRoot"/>
-      </p:par>
-    </p:tnLst>
-  </p:timing>
 </p:sldLayout>
 </file>
 
@@ -18430,13 +18122,6 @@
   <p:clrMapOvr>
     <a:masterClrMapping/>
   </p:clrMapOvr>
-  <p:timing>
-    <p:tnLst>
-      <p:par>
-        <p:cTn id="1" dur="indefinite" restart="never" nodeType="tmRoot"/>
-      </p:par>
-    </p:tnLst>
-  </p:timing>
 </p:sldLayout>
 </file>
 
@@ -18544,28 +18229,28 @@
                 <a:gridCol w="2764105">
                   <a:extLst>
                     <a:ext uri="{9D8B030D-6E8A-4147-A177-3AD203B41FA5}">
-                      <a16:colId xmlns="" xmlns:a16="http://schemas.microsoft.com/office/drawing/2014/main" val="20000"/>
+                      <a16:colId xmlns:a16="http://schemas.microsoft.com/office/drawing/2014/main" val="20000"/>
                     </a:ext>
                   </a:extLst>
                 </a:gridCol>
                 <a:gridCol w="2764105">
                   <a:extLst>
                     <a:ext uri="{9D8B030D-6E8A-4147-A177-3AD203B41FA5}">
-                      <a16:colId xmlns="" xmlns:a16="http://schemas.microsoft.com/office/drawing/2014/main" val="20001"/>
+                      <a16:colId xmlns:a16="http://schemas.microsoft.com/office/drawing/2014/main" val="20001"/>
                     </a:ext>
                   </a:extLst>
                 </a:gridCol>
                 <a:gridCol w="2764105">
                   <a:extLst>
                     <a:ext uri="{9D8B030D-6E8A-4147-A177-3AD203B41FA5}">
-                      <a16:colId xmlns="" xmlns:a16="http://schemas.microsoft.com/office/drawing/2014/main" val="20002"/>
+                      <a16:colId xmlns:a16="http://schemas.microsoft.com/office/drawing/2014/main" val="20002"/>
                     </a:ext>
                   </a:extLst>
                 </a:gridCol>
                 <a:gridCol w="2764105">
                   <a:extLst>
                     <a:ext uri="{9D8B030D-6E8A-4147-A177-3AD203B41FA5}">
-                      <a16:colId xmlns="" xmlns:a16="http://schemas.microsoft.com/office/drawing/2014/main" val="20003"/>
+                      <a16:colId xmlns:a16="http://schemas.microsoft.com/office/drawing/2014/main" val="20003"/>
                     </a:ext>
                   </a:extLst>
                 </a:gridCol>
@@ -18745,7 +18430,7 @@
                 </a:tc>
                 <a:extLst>
                   <a:ext uri="{0D108BD9-81ED-4DB2-BD59-A6C34878D82A}">
-                    <a16:rowId xmlns="" xmlns:a16="http://schemas.microsoft.com/office/drawing/2014/main" val="10000"/>
+                    <a16:rowId xmlns:a16="http://schemas.microsoft.com/office/drawing/2014/main" val="10000"/>
                   </a:ext>
                 </a:extLst>
               </a:tr>
@@ -18981,7 +18666,7 @@
                 </a:tc>
                 <a:extLst>
                   <a:ext uri="{0D108BD9-81ED-4DB2-BD59-A6C34878D82A}">
-                    <a16:rowId xmlns="" xmlns:a16="http://schemas.microsoft.com/office/drawing/2014/main" val="10001"/>
+                    <a16:rowId xmlns:a16="http://schemas.microsoft.com/office/drawing/2014/main" val="10001"/>
                   </a:ext>
                 </a:extLst>
               </a:tr>
@@ -19236,7 +18921,7 @@
                 </a:tc>
                 <a:extLst>
                   <a:ext uri="{0D108BD9-81ED-4DB2-BD59-A6C34878D82A}">
-                    <a16:rowId xmlns="" xmlns:a16="http://schemas.microsoft.com/office/drawing/2014/main" val="10002"/>
+                    <a16:rowId xmlns:a16="http://schemas.microsoft.com/office/drawing/2014/main" val="10002"/>
                   </a:ext>
                 </a:extLst>
               </a:tr>
@@ -19491,7 +19176,7 @@
                 </a:tc>
                 <a:extLst>
                   <a:ext uri="{0D108BD9-81ED-4DB2-BD59-A6C34878D82A}">
-                    <a16:rowId xmlns="" xmlns:a16="http://schemas.microsoft.com/office/drawing/2014/main" val="10003"/>
+                    <a16:rowId xmlns:a16="http://schemas.microsoft.com/office/drawing/2014/main" val="10003"/>
                   </a:ext>
                 </a:extLst>
               </a:tr>
@@ -19509,13 +19194,6 @@
   <p:clrMapOvr>
     <a:masterClrMapping/>
   </p:clrMapOvr>
-  <p:timing>
-    <p:tnLst>
-      <p:par>
-        <p:cTn id="1" dur="indefinite" restart="never" nodeType="tmRoot"/>
-      </p:par>
-    </p:tnLst>
-  </p:timing>
 </p:sldLayout>
 </file>
 
@@ -19585,13 +19263,6 @@
   <p:clrMapOvr>
     <a:masterClrMapping/>
   </p:clrMapOvr>
-  <p:timing>
-    <p:tnLst>
-      <p:par>
-        <p:cTn id="1" dur="indefinite" restart="never" nodeType="tmRoot"/>
-      </p:par>
-    </p:tnLst>
-  </p:timing>
 </p:sldLayout>
 </file>
 
@@ -19630,13 +19301,6 @@
   <p:clrMapOvr>
     <a:masterClrMapping/>
   </p:clrMapOvr>
-  <p:timing>
-    <p:tnLst>
-      <p:par>
-        <p:cTn id="1" dur="indefinite" restart="never" nodeType="tmRoot"/>
-      </p:par>
-    </p:tnLst>
-  </p:timing>
 </p:sldLayout>
 </file>
 
@@ -19902,13 +19566,6 @@
   <p:clrMapOvr>
     <a:masterClrMapping/>
   </p:clrMapOvr>
-  <p:timing>
-    <p:tnLst>
-      <p:par>
-        <p:cTn id="1" dur="indefinite" restart="never" nodeType="tmRoot"/>
-      </p:par>
-    </p:tnLst>
-  </p:timing>
 </p:sldLayout>
 </file>
 
@@ -20046,13 +19703,6 @@
   <p:clrMapOvr>
     <a:masterClrMapping/>
   </p:clrMapOvr>
-  <p:timing>
-    <p:tnLst>
-      <p:par>
-        <p:cTn id="1" dur="indefinite" restart="never" nodeType="tmRoot"/>
-      </p:par>
-    </p:tnLst>
-  </p:timing>
 </p:sldLayout>
 </file>
 
@@ -20197,13 +19847,6 @@
   <p:clrMapOvr>
     <a:masterClrMapping/>
   </p:clrMapOvr>
-  <p:timing>
-    <p:tnLst>
-      <p:par>
-        <p:cTn id="1" dur="indefinite" restart="never" nodeType="tmRoot"/>
-      </p:par>
-    </p:tnLst>
-  </p:timing>
 </p:sldLayout>
 </file>
 
@@ -20385,13 +20028,6 @@
   <p:clrMapOvr>
     <a:masterClrMapping/>
   </p:clrMapOvr>
-  <p:timing>
-    <p:tnLst>
-      <p:par>
-        <p:cTn id="1" dur="indefinite" restart="never" nodeType="tmRoot"/>
-      </p:par>
-    </p:tnLst>
-  </p:timing>
 </p:sldLayout>
 </file>
 
@@ -20484,13 +20120,6 @@
   <p:clrMapOvr>
     <a:masterClrMapping/>
   </p:clrMapOvr>
-  <p:timing>
-    <p:tnLst>
-      <p:par>
-        <p:cTn id="1" dur="indefinite" restart="never" nodeType="tmRoot"/>
-      </p:par>
-    </p:tnLst>
-  </p:timing>
 </p:sldLayout>
 </file>
 
@@ -20560,13 +20189,6 @@
   <p:clrMapOvr>
     <a:masterClrMapping/>
   </p:clrMapOvr>
-  <p:timing>
-    <p:tnLst>
-      <p:par>
-        <p:cTn id="1" dur="indefinite" restart="never" nodeType="tmRoot"/>
-      </p:par>
-    </p:tnLst>
-  </p:timing>
 </p:sldLayout>
 </file>
 
@@ -20605,13 +20227,6 @@
   <p:clrMapOvr>
     <a:masterClrMapping/>
   </p:clrMapOvr>
-  <p:timing>
-    <p:tnLst>
-      <p:par>
-        <p:cTn id="1" dur="indefinite" restart="never" nodeType="tmRoot"/>
-      </p:par>
-    </p:tnLst>
-  </p:timing>
 </p:sldLayout>
 </file>
 
@@ -20741,13 +20356,6 @@
   <p:clrMapOvr>
     <a:masterClrMapping/>
   </p:clrMapOvr>
-  <p:timing>
-    <p:tnLst>
-      <p:par>
-        <p:cTn id="1" dur="indefinite" restart="never" nodeType="tmRoot"/>
-      </p:par>
-    </p:tnLst>
-  </p:timing>
 </p:sldLayout>
 </file>
 
@@ -21013,13 +20621,6 @@
   <p:clrMapOvr>
     <a:masterClrMapping/>
   </p:clrMapOvr>
-  <p:timing>
-    <p:tnLst>
-      <p:par>
-        <p:cTn id="1" dur="indefinite" restart="never" nodeType="tmRoot"/>
-      </p:par>
-    </p:tnLst>
-  </p:timing>
 </p:sldLayout>
 </file>
 
@@ -21149,13 +20750,6 @@
   <p:clrMapOvr>
     <a:masterClrMapping/>
   </p:clrMapOvr>
-  <p:timing>
-    <p:tnLst>
-      <p:par>
-        <p:cTn id="1" dur="indefinite" restart="never" nodeType="tmRoot"/>
-      </p:par>
-    </p:tnLst>
-  </p:timing>
 </p:sldLayout>
 </file>
 
@@ -21352,13 +20946,6 @@
   <p:clrMapOvr>
     <a:masterClrMapping/>
   </p:clrMapOvr>
-  <p:timing>
-    <p:tnLst>
-      <p:par>
-        <p:cTn id="1" dur="indefinite" restart="never" nodeType="tmRoot"/>
-      </p:par>
-    </p:tnLst>
-  </p:timing>
 </p:sldLayout>
 </file>
 
@@ -21600,13 +21187,6 @@
   <p:clrMapOvr>
     <a:masterClrMapping/>
   </p:clrMapOvr>
-  <p:timing>
-    <p:tnLst>
-      <p:par>
-        <p:cTn id="1" dur="indefinite" restart="never" nodeType="tmRoot"/>
-      </p:par>
-    </p:tnLst>
-  </p:timing>
 </p:sldLayout>
 </file>
 
@@ -21751,13 +21331,6 @@
   <p:clrMapOvr>
     <a:masterClrMapping/>
   </p:clrMapOvr>
-  <p:timing>
-    <p:tnLst>
-      <p:par>
-        <p:cTn id="1" dur="indefinite" restart="never" nodeType="tmRoot"/>
-      </p:par>
-    </p:tnLst>
-  </p:timing>
 </p:sldLayout>
 </file>
 
@@ -21927,28 +21500,28 @@
                 <a:gridCol w="2764105">
                   <a:extLst>
                     <a:ext uri="{9D8B030D-6E8A-4147-A177-3AD203B41FA5}">
-                      <a16:colId xmlns="" xmlns:a16="http://schemas.microsoft.com/office/drawing/2014/main" val="20000"/>
+                      <a16:colId xmlns:a16="http://schemas.microsoft.com/office/drawing/2014/main" val="20000"/>
                     </a:ext>
                   </a:extLst>
                 </a:gridCol>
                 <a:gridCol w="2764105">
                   <a:extLst>
                     <a:ext uri="{9D8B030D-6E8A-4147-A177-3AD203B41FA5}">
-                      <a16:colId xmlns="" xmlns:a16="http://schemas.microsoft.com/office/drawing/2014/main" val="20001"/>
+                      <a16:colId xmlns:a16="http://schemas.microsoft.com/office/drawing/2014/main" val="20001"/>
                     </a:ext>
                   </a:extLst>
                 </a:gridCol>
                 <a:gridCol w="2764105">
                   <a:extLst>
                     <a:ext uri="{9D8B030D-6E8A-4147-A177-3AD203B41FA5}">
-                      <a16:colId xmlns="" xmlns:a16="http://schemas.microsoft.com/office/drawing/2014/main" val="20002"/>
+                      <a16:colId xmlns:a16="http://schemas.microsoft.com/office/drawing/2014/main" val="20002"/>
                     </a:ext>
                   </a:extLst>
                 </a:gridCol>
                 <a:gridCol w="2764105">
                   <a:extLst>
                     <a:ext uri="{9D8B030D-6E8A-4147-A177-3AD203B41FA5}">
-                      <a16:colId xmlns="" xmlns:a16="http://schemas.microsoft.com/office/drawing/2014/main" val="20003"/>
+                      <a16:colId xmlns:a16="http://schemas.microsoft.com/office/drawing/2014/main" val="20003"/>
                     </a:ext>
                   </a:extLst>
                 </a:gridCol>
@@ -22128,7 +21701,7 @@
                 </a:tc>
                 <a:extLst>
                   <a:ext uri="{0D108BD9-81ED-4DB2-BD59-A6C34878D82A}">
-                    <a16:rowId xmlns="" xmlns:a16="http://schemas.microsoft.com/office/drawing/2014/main" val="10000"/>
+                    <a16:rowId xmlns:a16="http://schemas.microsoft.com/office/drawing/2014/main" val="10000"/>
                   </a:ext>
                 </a:extLst>
               </a:tr>
@@ -22364,7 +21937,7 @@
                 </a:tc>
                 <a:extLst>
                   <a:ext uri="{0D108BD9-81ED-4DB2-BD59-A6C34878D82A}">
-                    <a16:rowId xmlns="" xmlns:a16="http://schemas.microsoft.com/office/drawing/2014/main" val="10001"/>
+                    <a16:rowId xmlns:a16="http://schemas.microsoft.com/office/drawing/2014/main" val="10001"/>
                   </a:ext>
                 </a:extLst>
               </a:tr>
@@ -22619,7 +22192,7 @@
                 </a:tc>
                 <a:extLst>
                   <a:ext uri="{0D108BD9-81ED-4DB2-BD59-A6C34878D82A}">
-                    <a16:rowId xmlns="" xmlns:a16="http://schemas.microsoft.com/office/drawing/2014/main" val="10002"/>
+                    <a16:rowId xmlns:a16="http://schemas.microsoft.com/office/drawing/2014/main" val="10002"/>
                   </a:ext>
                 </a:extLst>
               </a:tr>
@@ -22874,7 +22447,7 @@
                 </a:tc>
                 <a:extLst>
                   <a:ext uri="{0D108BD9-81ED-4DB2-BD59-A6C34878D82A}">
-                    <a16:rowId xmlns="" xmlns:a16="http://schemas.microsoft.com/office/drawing/2014/main" val="10003"/>
+                    <a16:rowId xmlns:a16="http://schemas.microsoft.com/office/drawing/2014/main" val="10003"/>
                   </a:ext>
                 </a:extLst>
               </a:tr>
@@ -22892,13 +22465,6 @@
   <p:clrMapOvr>
     <a:masterClrMapping/>
   </p:clrMapOvr>
-  <p:timing>
-    <p:tnLst>
-      <p:par>
-        <p:cTn id="1" dur="indefinite" restart="never" nodeType="tmRoot"/>
-      </p:par>
-    </p:tnLst>
-  </p:timing>
 </p:sldLayout>
 </file>
 
@@ -23020,13 +22586,6 @@
   <p:clrMapOvr>
     <a:masterClrMapping/>
   </p:clrMapOvr>
-  <p:timing>
-    <p:tnLst>
-      <p:par>
-        <p:cTn id="1" dur="indefinite" restart="never" nodeType="tmRoot"/>
-      </p:par>
-    </p:tnLst>
-  </p:timing>
 </p:sldLayout>
 </file>
 
@@ -23057,13 +22616,6 @@
   <p:clrMapOvr>
     <a:masterClrMapping/>
   </p:clrMapOvr>
-  <p:timing>
-    <p:tnLst>
-      <p:par>
-        <p:cTn id="1" dur="indefinite" restart="never" nodeType="tmRoot"/>
-      </p:par>
-    </p:tnLst>
-  </p:timing>
 </p:sldLayout>
 </file>
 
@@ -23381,13 +22933,6 @@
   <p:clrMapOvr>
     <a:masterClrMapping/>
   </p:clrMapOvr>
-  <p:timing>
-    <p:tnLst>
-      <p:par>
-        <p:cTn id="1" dur="indefinite" restart="never" nodeType="tmRoot"/>
-      </p:par>
-    </p:tnLst>
-  </p:timing>
 </p:sldLayout>
 </file>
 
@@ -23643,13 +23188,6 @@
       </p:transition>
     </mc:Fallback>
   </mc:AlternateContent>
-  <p:timing>
-    <p:tnLst>
-      <p:par>
-        <p:cTn id="1" dur="indefinite" restart="never" nodeType="tmRoot"/>
-      </p:par>
-    </p:tnLst>
-  </p:timing>
 </p:sldLayout>
 </file>
 
@@ -23786,13 +23324,6 @@
   <p:clrMapOvr>
     <a:masterClrMapping/>
   </p:clrMapOvr>
-  <p:timing>
-    <p:tnLst>
-      <p:par>
-        <p:cTn id="1" dur="indefinite" restart="never" nodeType="tmRoot"/>
-      </p:par>
-    </p:tnLst>
-  </p:timing>
 </p:sldLayout>
 </file>
 
@@ -24018,13 +23549,6 @@
   <p:transition>
     <p:fade/>
   </p:transition>
-  <p:timing>
-    <p:tnLst>
-      <p:par>
-        <p:cTn id="1" dur="indefinite" restart="never" nodeType="tmRoot"/>
-      </p:par>
-    </p:tnLst>
-  </p:timing>
 </p:sldLayout>
 </file>
 
@@ -24250,13 +23774,6 @@
   <p:transition>
     <p:fade/>
   </p:transition>
-  <p:timing>
-    <p:tnLst>
-      <p:par>
-        <p:cTn id="1" dur="indefinite" restart="never" nodeType="tmRoot"/>
-      </p:par>
-    </p:tnLst>
-  </p:timing>
 </p:sldLayout>
 </file>
 
@@ -24482,13 +23999,6 @@
   <p:transition>
     <p:fade/>
   </p:transition>
-  <p:timing>
-    <p:tnLst>
-      <p:par>
-        <p:cTn id="1" dur="indefinite" restart="never" nodeType="tmRoot"/>
-      </p:par>
-    </p:tnLst>
-  </p:timing>
 </p:sldLayout>
 </file>
 
@@ -24714,13 +24224,6 @@
   <p:transition>
     <p:fade/>
   </p:transition>
-  <p:timing>
-    <p:tnLst>
-      <p:par>
-        <p:cTn id="1" dur="indefinite" restart="never" nodeType="tmRoot"/>
-      </p:par>
-    </p:tnLst>
-  </p:timing>
 </p:sldLayout>
 </file>
 
@@ -25392,13 +24895,6 @@
   <p:transition>
     <p:fade/>
   </p:transition>
-  <p:timing>
-    <p:tnLst>
-      <p:par>
-        <p:cTn id="1" dur="indefinite" restart="never" nodeType="tmRoot"/>
-      </p:par>
-    </p:tnLst>
-  </p:timing>
 </p:sldLayout>
 </file>
 
@@ -25624,13 +25120,6 @@
   <p:transition>
     <p:fade/>
   </p:transition>
-  <p:timing>
-    <p:tnLst>
-      <p:par>
-        <p:cTn id="1" dur="indefinite" restart="never" nodeType="tmRoot"/>
-      </p:par>
-    </p:tnLst>
-  </p:timing>
 </p:sldLayout>
 </file>
 
@@ -25812,13 +25301,6 @@
   <p:clrMapOvr>
     <a:masterClrMapping/>
   </p:clrMapOvr>
-  <p:timing>
-    <p:tnLst>
-      <p:par>
-        <p:cTn id="1" dur="indefinite" restart="never" nodeType="tmRoot"/>
-      </p:par>
-    </p:tnLst>
-  </p:timing>
 </p:sldLayout>
 </file>
 
@@ -25903,13 +25385,6 @@
   <p:clrMapOvr>
     <a:masterClrMapping/>
   </p:clrMapOvr>
-  <p:timing>
-    <p:tnLst>
-      <p:par>
-        <p:cTn id="1" dur="indefinite" restart="never" nodeType="tmRoot"/>
-      </p:par>
-    </p:tnLst>
-  </p:timing>
 </p:sldLayout>
 </file>
 
@@ -26027,13 +25502,6 @@
     <p:sldLayoutId id="2147483769" r:id="rId4"/>
     <p:sldLayoutId id="2147483770" r:id="rId5"/>
   </p:sldLayoutIdLst>
-  <p:timing>
-    <p:tnLst>
-      <p:par>
-        <p:cTn id="1" dur="indefinite" restart="never" nodeType="tmRoot"/>
-      </p:par>
-    </p:tnLst>
-  </p:timing>
   <p:txStyles>
     <p:titleStyle>
       <a:lvl1pPr algn="r" defTabSz="914400" rtl="0" eaLnBrk="1" latinLnBrk="0" hangingPunct="1">
@@ -26974,13 +26442,6 @@
     <p:sldLayoutId id="2147483789" r:id="rId15"/>
     <p:sldLayoutId id="2147483806" r:id="rId16"/>
   </p:sldLayoutIdLst>
-  <p:timing>
-    <p:tnLst>
-      <p:par>
-        <p:cTn id="1" dur="indefinite" restart="never" nodeType="tmRoot"/>
-      </p:par>
-    </p:tnLst>
-  </p:timing>
   <p:hf hdr="0" ftr="0" dt="0"/>
   <p:txStyles>
     <p:titleStyle>
@@ -27921,13 +27382,6 @@
     <p:sldLayoutId id="2147483732" r:id="rId7"/>
     <p:sldLayoutId id="2147483733" r:id="rId8"/>
   </p:sldLayoutIdLst>
-  <p:timing>
-    <p:tnLst>
-      <p:par>
-        <p:cTn id="1" dur="indefinite" restart="never" nodeType="tmRoot"/>
-      </p:par>
-    </p:tnLst>
-  </p:timing>
   <p:hf hdr="0" ftr="0" dt="0"/>
   <p:txStyles>
     <p:titleStyle>
@@ -28868,13 +28322,6 @@
     <p:sldLayoutId id="2147483739" r:id="rId7"/>
     <p:sldLayoutId id="2147483740" r:id="rId8"/>
   </p:sldLayoutIdLst>
-  <p:timing>
-    <p:tnLst>
-      <p:par>
-        <p:cTn id="1" dur="indefinite" restart="never" nodeType="tmRoot"/>
-      </p:par>
-    </p:tnLst>
-  </p:timing>
   <p:hf hdr="0" ftr="0" dt="0"/>
   <p:txStyles>
     <p:titleStyle>
@@ -29815,13 +29262,6 @@
     <p:sldLayoutId id="2147483746" r:id="rId7"/>
     <p:sldLayoutId id="2147483747" r:id="rId8"/>
   </p:sldLayoutIdLst>
-  <p:timing>
-    <p:tnLst>
-      <p:par>
-        <p:cTn id="1" dur="indefinite" restart="never" nodeType="tmRoot"/>
-      </p:par>
-    </p:tnLst>
-  </p:timing>
   <p:hf hdr="0" ftr="0" dt="0"/>
   <p:txStyles>
     <p:titleStyle>
@@ -30762,13 +30202,6 @@
     <p:sldLayoutId id="2147483753" r:id="rId7"/>
     <p:sldLayoutId id="2147483754" r:id="rId8"/>
   </p:sldLayoutIdLst>
-  <p:timing>
-    <p:tnLst>
-      <p:par>
-        <p:cTn id="1" dur="indefinite" restart="never" nodeType="tmRoot"/>
-      </p:par>
-    </p:tnLst>
-  </p:timing>
   <p:hf hdr="0" ftr="0" dt="0"/>
   <p:txStyles>
     <p:titleStyle>
@@ -31708,13 +31141,6 @@
     <p:sldLayoutId id="2147483763" r:id="rId6"/>
     <p:sldLayoutId id="2147483764" r:id="rId7"/>
   </p:sldLayoutIdLst>
-  <p:timing>
-    <p:tnLst>
-      <p:par>
-        <p:cTn id="1" dur="indefinite" restart="never" nodeType="tmRoot"/>
-      </p:par>
-    </p:tnLst>
-  </p:timing>
   <p:hf hdr="0" ftr="0" dt="0"/>
   <p:txStyles>
     <p:titleStyle>
@@ -32799,13 +32225,6 @@
     <p:sldLayoutId id="2147483804" r:id="rId14"/>
     <p:sldLayoutId id="2147483805" r:id="rId15"/>
   </p:sldLayoutIdLst>
-  <p:timing>
-    <p:tnLst>
-      <p:par>
-        <p:cTn id="1" dur="indefinite" restart="never" nodeType="tmRoot"/>
-      </p:par>
-    </p:tnLst>
-  </p:timing>
   <p:hf hdr="0" ftr="0" dt="0"/>
   <p:txStyles>
     <p:titleStyle>
@@ -33227,13 +32646,6 @@
   <p:clrMapOvr>
     <a:masterClrMapping/>
   </p:clrMapOvr>
-  <p:timing>
-    <p:tnLst>
-      <p:par>
-        <p:cTn id="1" dur="indefinite" restart="never" nodeType="tmRoot"/>
-      </p:par>
-    </p:tnLst>
-  </p:timing>
 </p:sld>
 </file>
 
@@ -33275,7 +32687,7 @@
           <a:graphicData uri="http://schemas.openxmlformats.org/presentationml/2006/ole">
             <mc:AlternateContent xmlns:mc="http://schemas.openxmlformats.org/markup-compatibility/2006">
               <mc:Choice xmlns:v="urn:schemas-microsoft-com:vml" Requires="v">
-                <p:oleObj spid="_x0000_s3082" name="think-cell Slide" r:id="rId5" imgW="270" imgH="270" progId="TCLayout.ActiveDocument.1">
+                <p:oleObj spid="_x0000_s3084" name="think-cell Slide" r:id="rId5" imgW="270" imgH="270" progId="TCLayout.ActiveDocument.1">
                   <p:embed/>
                 </p:oleObj>
               </mc:Choice>
@@ -34235,13 +33647,6 @@
   <p:clrMapOvr>
     <a:masterClrMapping/>
   </p:clrMapOvr>
-  <p:timing>
-    <p:tnLst>
-      <p:par>
-        <p:cTn id="1" dur="indefinite" restart="never" nodeType="tmRoot"/>
-      </p:par>
-    </p:tnLst>
-  </p:timing>
 </p:sld>
 </file>
 
@@ -34383,13 +33788,6 @@
   <p:transition>
     <p:fade/>
   </p:transition>
-  <p:timing>
-    <p:tnLst>
-      <p:par>
-        <p:cTn id="1" dur="indefinite" restart="never" nodeType="tmRoot"/>
-      </p:par>
-    </p:tnLst>
-  </p:timing>
 </p:sld>
 </file>
 
@@ -34561,13 +33959,6 @@
   <p:transition>
     <p:fade/>
   </p:transition>
-  <p:timing>
-    <p:tnLst>
-      <p:par>
-        <p:cTn id="1" dur="indefinite" restart="never" nodeType="tmRoot"/>
-      </p:par>
-    </p:tnLst>
-  </p:timing>
 </p:sld>
 </file>
 
@@ -34690,13 +34081,6 @@
   <p:transition>
     <p:fade/>
   </p:transition>
-  <p:timing>
-    <p:tnLst>
-      <p:par>
-        <p:cTn id="1" dur="indefinite" restart="never" nodeType="tmRoot"/>
-      </p:par>
-    </p:tnLst>
-  </p:timing>
 </p:sld>
 </file>
 
@@ -34904,13 +34288,6 @@
       <p:transition spd="slow"/>
     </mc:Fallback>
   </mc:AlternateContent>
-  <p:timing>
-    <p:tnLst>
-      <p:par>
-        <p:cTn id="1" dur="indefinite" restart="never" nodeType="tmRoot"/>
-      </p:par>
-    </p:tnLst>
-  </p:timing>
 </p:sld>
 </file>
 
@@ -35033,13 +34410,6 @@
       <p:transition spd="slow"/>
     </mc:Fallback>
   </mc:AlternateContent>
-  <p:timing>
-    <p:tnLst>
-      <p:par>
-        <p:cTn id="1" dur="indefinite" restart="never" nodeType="tmRoot"/>
-      </p:par>
-    </p:tnLst>
-  </p:timing>
 </p:sld>
 </file>
 
@@ -35162,13 +34532,6 @@
       <p:transition spd="slow"/>
     </mc:Fallback>
   </mc:AlternateContent>
-  <p:timing>
-    <p:tnLst>
-      <p:par>
-        <p:cTn id="1" dur="indefinite" restart="never" nodeType="tmRoot"/>
-      </p:par>
-    </p:tnLst>
-  </p:timing>
 </p:sld>
 </file>
 
@@ -35291,13 +34654,6 @@
       <p:transition spd="slow"/>
     </mc:Fallback>
   </mc:AlternateContent>
-  <p:timing>
-    <p:tnLst>
-      <p:par>
-        <p:cTn id="1" dur="indefinite" restart="never" nodeType="tmRoot"/>
-      </p:par>
-    </p:tnLst>
-  </p:timing>
 </p:sld>
 </file>
 
@@ -35412,21 +34768,21 @@
                 <a:gridCol w="8350512">
                   <a:extLst>
                     <a:ext uri="{9D8B030D-6E8A-4147-A177-3AD203B41FA5}">
-                      <a16:colId xmlns="" xmlns:a16="http://schemas.microsoft.com/office/drawing/2014/main" val="20000"/>
+                      <a16:colId xmlns:a16="http://schemas.microsoft.com/office/drawing/2014/main" val="20000"/>
                     </a:ext>
                   </a:extLst>
                 </a:gridCol>
                 <a:gridCol w="1662043">
                   <a:extLst>
                     <a:ext uri="{9D8B030D-6E8A-4147-A177-3AD203B41FA5}">
-                      <a16:colId xmlns="" xmlns:a16="http://schemas.microsoft.com/office/drawing/2014/main" val="20001"/>
+                      <a16:colId xmlns:a16="http://schemas.microsoft.com/office/drawing/2014/main" val="20001"/>
                     </a:ext>
                   </a:extLst>
                 </a:gridCol>
                 <a:gridCol w="1470628">
                   <a:extLst>
                     <a:ext uri="{9D8B030D-6E8A-4147-A177-3AD203B41FA5}">
-                      <a16:colId xmlns="" xmlns:a16="http://schemas.microsoft.com/office/drawing/2014/main" val="20002"/>
+                      <a16:colId xmlns:a16="http://schemas.microsoft.com/office/drawing/2014/main" val="20002"/>
                     </a:ext>
                   </a:extLst>
                 </a:gridCol>
@@ -35476,7 +34832,7 @@
                 </a:tc>
                 <a:extLst>
                   <a:ext uri="{0D108BD9-81ED-4DB2-BD59-A6C34878D82A}">
-                    <a16:rowId xmlns="" xmlns:a16="http://schemas.microsoft.com/office/drawing/2014/main" val="10000"/>
+                    <a16:rowId xmlns:a16="http://schemas.microsoft.com/office/drawing/2014/main" val="10000"/>
                   </a:ext>
                 </a:extLst>
               </a:tr>
@@ -35561,7 +34917,7 @@
                 </a:tc>
                 <a:extLst>
                   <a:ext uri="{0D108BD9-81ED-4DB2-BD59-A6C34878D82A}">
-                    <a16:rowId xmlns="" xmlns:a16="http://schemas.microsoft.com/office/drawing/2014/main" val="10001"/>
+                    <a16:rowId xmlns:a16="http://schemas.microsoft.com/office/drawing/2014/main" val="10001"/>
                   </a:ext>
                 </a:extLst>
               </a:tr>
@@ -35634,7 +34990,7 @@
                 </a:tc>
                 <a:extLst>
                   <a:ext uri="{0D108BD9-81ED-4DB2-BD59-A6C34878D82A}">
-                    <a16:rowId xmlns="" xmlns:a16="http://schemas.microsoft.com/office/drawing/2014/main" val="10002"/>
+                    <a16:rowId xmlns:a16="http://schemas.microsoft.com/office/drawing/2014/main" val="10002"/>
                   </a:ext>
                 </a:extLst>
               </a:tr>
@@ -35707,7 +35063,7 @@
                 </a:tc>
                 <a:extLst>
                   <a:ext uri="{0D108BD9-81ED-4DB2-BD59-A6C34878D82A}">
-                    <a16:rowId xmlns="" xmlns:a16="http://schemas.microsoft.com/office/drawing/2014/main" val="10004"/>
+                    <a16:rowId xmlns:a16="http://schemas.microsoft.com/office/drawing/2014/main" val="10004"/>
                   </a:ext>
                 </a:extLst>
               </a:tr>
@@ -35780,7 +35136,7 @@
                 </a:tc>
                 <a:extLst>
                   <a:ext uri="{0D108BD9-81ED-4DB2-BD59-A6C34878D82A}">
-                    <a16:rowId xmlns="" xmlns:a16="http://schemas.microsoft.com/office/drawing/2014/main" val="10005"/>
+                    <a16:rowId xmlns:a16="http://schemas.microsoft.com/office/drawing/2014/main" val="10005"/>
                   </a:ext>
                 </a:extLst>
               </a:tr>
@@ -35853,7 +35209,7 @@
                 </a:tc>
                 <a:extLst>
                   <a:ext uri="{0D108BD9-81ED-4DB2-BD59-A6C34878D82A}">
-                    <a16:rowId xmlns="" xmlns:a16="http://schemas.microsoft.com/office/drawing/2014/main" val="10006"/>
+                    <a16:rowId xmlns:a16="http://schemas.microsoft.com/office/drawing/2014/main" val="10006"/>
                   </a:ext>
                 </a:extLst>
               </a:tr>
@@ -35924,6 +35280,11 @@
                   </a:txBody>
                   <a:tcPr marL="45720" marR="45720"/>
                 </a:tc>
+                <a:extLst>
+                  <a:ext uri="{0D108BD9-81ED-4DB2-BD59-A6C34878D82A}">
+                    <a16:rowId xmlns:a16="http://schemas.microsoft.com/office/drawing/2014/main" val="10008"/>
+                  </a:ext>
+                </a:extLst>
               </a:tr>
               <a:tr h="409188">
                 <a:tc>
@@ -35994,7 +35355,7 @@
                 </a:tc>
                 <a:extLst>
                   <a:ext uri="{0D108BD9-81ED-4DB2-BD59-A6C34878D82A}">
-                    <a16:rowId xmlns="" xmlns:a16="http://schemas.microsoft.com/office/drawing/2014/main" val="10007"/>
+                    <a16:rowId xmlns:a16="http://schemas.microsoft.com/office/drawing/2014/main" val="10007"/>
                   </a:ext>
                 </a:extLst>
               </a:tr>
@@ -36067,7 +35428,7 @@
                 </a:tc>
                 <a:extLst>
                   <a:ext uri="{0D108BD9-81ED-4DB2-BD59-A6C34878D82A}">
-                    <a16:rowId xmlns="" xmlns:a16="http://schemas.microsoft.com/office/drawing/2014/main" val="10009"/>
+                    <a16:rowId xmlns:a16="http://schemas.microsoft.com/office/drawing/2014/main" val="10009"/>
                   </a:ext>
                 </a:extLst>
               </a:tr>
@@ -36138,6 +35499,11 @@
                   </a:txBody>
                   <a:tcPr marL="45720" marR="45720"/>
                 </a:tc>
+                <a:extLst>
+                  <a:ext uri="{0D108BD9-81ED-4DB2-BD59-A6C34878D82A}">
+                    <a16:rowId xmlns:a16="http://schemas.microsoft.com/office/drawing/2014/main" val="10010"/>
+                  </a:ext>
+                </a:extLst>
               </a:tr>
               <a:tr h="409188">
                 <a:tc>
@@ -36228,7 +35594,7 @@
                 </a:tc>
                 <a:extLst>
                   <a:ext uri="{0D108BD9-81ED-4DB2-BD59-A6C34878D82A}">
-                    <a16:rowId xmlns="" xmlns:a16="http://schemas.microsoft.com/office/drawing/2014/main" val="10011"/>
+                    <a16:rowId xmlns:a16="http://schemas.microsoft.com/office/drawing/2014/main" val="10011"/>
                   </a:ext>
                 </a:extLst>
               </a:tr>
@@ -36246,13 +35612,6 @@
   <p:clrMapOvr>
     <a:masterClrMapping/>
   </p:clrMapOvr>
-  <p:timing>
-    <p:tnLst>
-      <p:par>
-        <p:cTn id="1" dur="indefinite" restart="never" nodeType="tmRoot"/>
-      </p:par>
-    </p:tnLst>
-  </p:timing>
 </p:sld>
 </file>
 
@@ -36305,13 +35664,6 @@
       </p:transition>
     </mc:Fallback>
   </mc:AlternateContent>
-  <p:timing>
-    <p:tnLst>
-      <p:par>
-        <p:cTn id="1" dur="indefinite" restart="never" nodeType="tmRoot"/>
-      </p:par>
-    </p:tnLst>
-  </p:timing>
 </p:sld>
 </file>
 
@@ -36425,13 +35777,6 @@
   <p:clrMapOvr>
     <a:masterClrMapping/>
   </p:clrMapOvr>
-  <p:timing>
-    <p:tnLst>
-      <p:par>
-        <p:cTn id="1" dur="indefinite" restart="never" nodeType="tmRoot"/>
-      </p:par>
-    </p:tnLst>
-  </p:timing>
 </p:sld>
 </file>
 
@@ -36504,13 +35849,6 @@
   <p:clrMapOvr>
     <a:masterClrMapping/>
   </p:clrMapOvr>
-  <p:timing>
-    <p:tnLst>
-      <p:par>
-        <p:cTn id="1" dur="indefinite" restart="never" nodeType="tmRoot"/>
-      </p:par>
-    </p:tnLst>
-  </p:timing>
 </p:sld>
 </file>
 
@@ -36552,7 +35890,7 @@
           <a:graphicData uri="http://schemas.openxmlformats.org/presentationml/2006/ole">
             <mc:AlternateContent xmlns:mc="http://schemas.openxmlformats.org/markup-compatibility/2006">
               <mc:Choice xmlns:v="urn:schemas-microsoft-com:vml" Requires="v">
-                <p:oleObj spid="_x0000_s1034" name="think-cell Slide" r:id="rId5" imgW="270" imgH="270" progId="TCLayout.ActiveDocument.1">
+                <p:oleObj spid="_x0000_s1036" name="think-cell Slide" r:id="rId5" imgW="270" imgH="270" progId="TCLayout.ActiveDocument.1">
                   <p:embed/>
                 </p:oleObj>
               </mc:Choice>
@@ -37793,13 +37131,6 @@
       <p:transition spd="slow"/>
     </mc:Fallback>
   </mc:AlternateContent>
-  <p:timing>
-    <p:tnLst>
-      <p:par>
-        <p:cTn id="1" dur="indefinite" restart="never" nodeType="tmRoot"/>
-      </p:par>
-    </p:tnLst>
-  </p:timing>
 </p:sld>
 </file>
 
@@ -38303,12 +37634,20 @@
                 <a:defRPr/>
               </a:pPr>
               <a:r>
+                <a:rPr lang="en-US" sz="1200" smtClean="0">
+                  <a:solidFill>
+                    <a:srgbClr val="FFFFFF"/>
+                  </a:solidFill>
+                </a:rPr>
+                <a:t>.NET Core 1.0 </a:t>
+              </a:r>
+              <a:r>
                 <a:rPr lang="en-US" sz="1200" dirty="0">
                   <a:solidFill>
                     <a:srgbClr val="FFFFFF"/>
                   </a:solidFill>
                 </a:rPr>
-                <a:t>.NET Core 5 Libraries</a:t>
+                <a:t>Libraries</a:t>
               </a:r>
             </a:p>
             <a:p>
@@ -41175,35 +40514,22 @@
           <a:p>
             <a:pPr algn="ctr" defTabSz="913990"/>
             <a:r>
-              <a:rPr lang="en-US" sz="2800" b="1" dirty="0">
+              <a:rPr lang="en-US" sz="2800" b="1" smtClean="0">
                 <a:solidFill>
                   <a:srgbClr val="FFFFFF"/>
                 </a:solidFill>
                 <a:latin typeface="Segoe UI Semibold" panose="020B0702040204020203" pitchFamily="34" charset="0"/>
                 <a:cs typeface="Segoe UI Semibold" panose="020B0702040204020203" pitchFamily="34" charset="0"/>
               </a:rPr>
-              <a:t>.NET </a:t>
+              <a:t>.NET Core 1.0 </a:t>
             </a:r>
-            <a:r>
-              <a:rPr lang="en-US" sz="2800" dirty="0">
-                <a:solidFill>
-                  <a:srgbClr val="FFFFFF"/>
-                </a:solidFill>
-                <a:latin typeface="Segoe UI Semibold" panose="020B0702040204020203" pitchFamily="34" charset="0"/>
-                <a:cs typeface="Segoe UI Semibold" panose="020B0702040204020203" pitchFamily="34" charset="0"/>
-              </a:rPr>
-              <a:t>Core 5</a:t>
-            </a:r>
-            <a:r>
-              <a:rPr lang="en-US" sz="2800" b="1" dirty="0">
-                <a:solidFill>
-                  <a:srgbClr val="FFFFFF"/>
-                </a:solidFill>
-                <a:latin typeface="Segoe UI Semibold" panose="020B0702040204020203" pitchFamily="34" charset="0"/>
-                <a:cs typeface="Segoe UI Semibold" panose="020B0702040204020203" pitchFamily="34" charset="0"/>
-              </a:rPr>
-              <a:t> </a:t>
-            </a:r>
+            <a:endParaRPr lang="en-US" sz="2800" b="1" dirty="0">
+              <a:solidFill>
+                <a:srgbClr val="FFFFFF"/>
+              </a:solidFill>
+              <a:latin typeface="Segoe UI Semibold" panose="020B0702040204020203" pitchFamily="34" charset="0"/>
+              <a:cs typeface="Segoe UI Semibold" panose="020B0702040204020203" pitchFamily="34" charset="0"/>
+            </a:endParaRPr>
           </a:p>
         </p:txBody>
       </p:sp>
@@ -41739,7 +41065,7 @@
               </a:spcAft>
             </a:pPr>
             <a:r>
-              <a:rPr lang="en-US" sz="1961" dirty="0">
+              <a:rPr lang="en-US" sz="1961" smtClean="0">
                 <a:gradFill>
                   <a:gsLst>
                     <a:gs pos="0">
@@ -41754,8 +41080,23 @@
                 <a:ea typeface="Segoe UI" pitchFamily="34" charset="0"/>
                 <a:cs typeface="Segoe UI" pitchFamily="34" charset="0"/>
               </a:rPr>
-              <a:t>ASP.NET 5</a:t>
+              <a:t>ASP.NET Core 1.0</a:t>
             </a:r>
+            <a:endParaRPr lang="en-US" sz="1961" dirty="0">
+              <a:gradFill>
+                <a:gsLst>
+                  <a:gs pos="0">
+                    <a:srgbClr val="FFFFFF"/>
+                  </a:gs>
+                  <a:gs pos="100000">
+                    <a:srgbClr val="FFFFFF"/>
+                  </a:gs>
+                </a:gsLst>
+                <a:lin ang="5400000" scaled="0"/>
+              </a:gradFill>
+              <a:ea typeface="Segoe UI" pitchFamily="34" charset="0"/>
+              <a:cs typeface="Segoe UI" pitchFamily="34" charset="0"/>
+            </a:endParaRPr>
           </a:p>
         </p:txBody>
       </p:sp>
@@ -42000,13 +41341,6 @@
   <p:transition>
     <p:fade/>
   </p:transition>
-  <p:timing>
-    <p:tnLst>
-      <p:par>
-        <p:cTn id="1" dur="indefinite" restart="never" nodeType="tmRoot"/>
-      </p:par>
-    </p:tnLst>
-  </p:timing>
 </p:sld>
 </file>
 
@@ -42227,35 +41561,22 @@
           <a:p>
             <a:pPr algn="ctr" defTabSz="895984"/>
             <a:r>
-              <a:rPr lang="en-US" sz="2745" b="1" dirty="0">
+              <a:rPr lang="en-US" sz="2745" b="1" smtClean="0">
                 <a:solidFill>
                   <a:srgbClr val="FFFFFF"/>
                 </a:solidFill>
                 <a:latin typeface="Segoe UI Semibold" panose="020B0702040204020203" pitchFamily="34" charset="0"/>
                 <a:cs typeface="Segoe UI Semibold" panose="020B0702040204020203" pitchFamily="34" charset="0"/>
               </a:rPr>
-              <a:t>.NET </a:t>
+              <a:t>.NET Core 1.0 </a:t>
             </a:r>
-            <a:r>
-              <a:rPr lang="en-US" sz="2745" dirty="0">
-                <a:solidFill>
-                  <a:srgbClr val="FFFFFF"/>
-                </a:solidFill>
-                <a:latin typeface="Segoe UI Semibold" panose="020B0702040204020203" pitchFamily="34" charset="0"/>
-                <a:cs typeface="Segoe UI Semibold" panose="020B0702040204020203" pitchFamily="34" charset="0"/>
-              </a:rPr>
-              <a:t>Core 5</a:t>
-            </a:r>
-            <a:r>
-              <a:rPr lang="en-US" sz="2745" b="1" dirty="0">
-                <a:solidFill>
-                  <a:srgbClr val="FFFFFF"/>
-                </a:solidFill>
-                <a:latin typeface="Segoe UI Semibold" panose="020B0702040204020203" pitchFamily="34" charset="0"/>
-                <a:cs typeface="Segoe UI Semibold" panose="020B0702040204020203" pitchFamily="34" charset="0"/>
-              </a:rPr>
-              <a:t> </a:t>
-            </a:r>
+            <a:endParaRPr lang="en-US" sz="2745" b="1" dirty="0">
+              <a:solidFill>
+                <a:srgbClr val="FFFFFF"/>
+              </a:solidFill>
+              <a:latin typeface="Segoe UI Semibold" panose="020B0702040204020203" pitchFamily="34" charset="0"/>
+              <a:cs typeface="Segoe UI Semibold" panose="020B0702040204020203" pitchFamily="34" charset="0"/>
+            </a:endParaRPr>
           </a:p>
         </p:txBody>
       </p:sp>
@@ -42954,7 +42275,7 @@
               </a:spcAft>
             </a:pPr>
             <a:r>
-              <a:rPr lang="en-US" sz="1922" dirty="0">
+              <a:rPr lang="en-US" sz="1922" smtClean="0">
                 <a:gradFill>
                   <a:gsLst>
                     <a:gs pos="0">
@@ -42969,8 +42290,23 @@
                 <a:ea typeface="Segoe UI" pitchFamily="34" charset="0"/>
                 <a:cs typeface="Segoe UI" pitchFamily="34" charset="0"/>
               </a:rPr>
-              <a:t>ASP.NET 5</a:t>
+              <a:t>ASP.NET Core 1.0</a:t>
             </a:r>
+            <a:endParaRPr lang="en-US" sz="1922" dirty="0">
+              <a:gradFill>
+                <a:gsLst>
+                  <a:gs pos="0">
+                    <a:srgbClr val="FFFFFF"/>
+                  </a:gs>
+                  <a:gs pos="100000">
+                    <a:srgbClr val="FFFFFF"/>
+                  </a:gs>
+                </a:gsLst>
+                <a:lin ang="5400000" scaled="0"/>
+              </a:gradFill>
+              <a:ea typeface="Segoe UI" pitchFamily="34" charset="0"/>
+              <a:cs typeface="Segoe UI" pitchFamily="34" charset="0"/>
+            </a:endParaRPr>
           </a:p>
         </p:txBody>
       </p:sp>
@@ -43420,13 +42756,6 @@
       <p:transition spd="slow"/>
     </mc:Fallback>
   </mc:AlternateContent>
-  <p:timing>
-    <p:tnLst>
-      <p:par>
-        <p:cTn id="1" dur="indefinite" restart="never" nodeType="tmRoot"/>
-      </p:par>
-    </p:tnLst>
-  </p:timing>
 </p:sld>
 </file>
 
@@ -43468,7 +42797,7 @@
           <a:graphicData uri="http://schemas.openxmlformats.org/presentationml/2006/ole">
             <mc:AlternateContent xmlns:mc="http://schemas.openxmlformats.org/markup-compatibility/2006">
               <mc:Choice xmlns:v="urn:schemas-microsoft-com:vml" Requires="v">
-                <p:oleObj spid="_x0000_s2058" name="think-cell Slide" r:id="rId5" imgW="270" imgH="270" progId="TCLayout.ActiveDocument.1">
+                <p:oleObj spid="_x0000_s2060" name="think-cell Slide" r:id="rId5" imgW="270" imgH="270" progId="TCLayout.ActiveDocument.1">
                   <p:embed/>
                 </p:oleObj>
               </mc:Choice>

--- a/Presentation/07-Conclusion/Conclusion.pptx
+++ b/Presentation/07-Conclusion/Conclusion.pptx
@@ -32687,7 +32687,7 @@
           <a:graphicData uri="http://schemas.openxmlformats.org/presentationml/2006/ole">
             <mc:AlternateContent xmlns:mc="http://schemas.openxmlformats.org/markup-compatibility/2006">
               <mc:Choice xmlns:v="urn:schemas-microsoft-com:vml" Requires="v">
-                <p:oleObj spid="_x0000_s3084" name="think-cell Slide" r:id="rId5" imgW="270" imgH="270" progId="TCLayout.ActiveDocument.1">
+                <p:oleObj spid="_x0000_s3085" name="think-cell Slide" r:id="rId5" imgW="270" imgH="270" progId="TCLayout.ActiveDocument.1">
                   <p:embed/>
                 </p:oleObj>
               </mc:Choice>
@@ -35890,7 +35890,7 @@
           <a:graphicData uri="http://schemas.openxmlformats.org/presentationml/2006/ole">
             <mc:AlternateContent xmlns:mc="http://schemas.openxmlformats.org/markup-compatibility/2006">
               <mc:Choice xmlns:v="urn:schemas-microsoft-com:vml" Requires="v">
-                <p:oleObj spid="_x0000_s1036" name="think-cell Slide" r:id="rId5" imgW="270" imgH="270" progId="TCLayout.ActiveDocument.1">
+                <p:oleObj spid="_x0000_s1037" name="think-cell Slide" r:id="rId5" imgW="270" imgH="270" progId="TCLayout.ActiveDocument.1">
                   <p:embed/>
                 </p:oleObj>
               </mc:Choice>
@@ -42797,7 +42797,7 @@
           <a:graphicData uri="http://schemas.openxmlformats.org/presentationml/2006/ole">
             <mc:AlternateContent xmlns:mc="http://schemas.openxmlformats.org/markup-compatibility/2006">
               <mc:Choice xmlns:v="urn:schemas-microsoft-com:vml" Requires="v">
-                <p:oleObj spid="_x0000_s2060" name="think-cell Slide" r:id="rId5" imgW="270" imgH="270" progId="TCLayout.ActiveDocument.1">
+                <p:oleObj spid="_x0000_s2061" name="think-cell Slide" r:id="rId5" imgW="270" imgH="270" progId="TCLayout.ActiveDocument.1">
                   <p:embed/>
                 </p:oleObj>
               </mc:Choice>
